--- a/Slides/Lecture 7.pptx
+++ b/Slides/Lecture 7.pptx
@@ -21,17 +21,17 @@
     <p:sldId id="312" r:id="rId12"/>
     <p:sldId id="313" r:id="rId13"/>
     <p:sldId id="314" r:id="rId14"/>
-    <p:sldId id="320" r:id="rId15"/>
-    <p:sldId id="321" r:id="rId16"/>
-    <p:sldId id="322" r:id="rId17"/>
-    <p:sldId id="323" r:id="rId18"/>
-    <p:sldId id="324" r:id="rId19"/>
-    <p:sldId id="325" r:id="rId20"/>
-    <p:sldId id="326" r:id="rId21"/>
-    <p:sldId id="328" r:id="rId22"/>
-    <p:sldId id="331" r:id="rId23"/>
-    <p:sldId id="347" r:id="rId24"/>
-    <p:sldId id="348" r:id="rId25"/>
+    <p:sldId id="348" r:id="rId15"/>
+    <p:sldId id="320" r:id="rId16"/>
+    <p:sldId id="321" r:id="rId17"/>
+    <p:sldId id="322" r:id="rId18"/>
+    <p:sldId id="323" r:id="rId19"/>
+    <p:sldId id="324" r:id="rId20"/>
+    <p:sldId id="325" r:id="rId21"/>
+    <p:sldId id="326" r:id="rId22"/>
+    <p:sldId id="328" r:id="rId23"/>
+    <p:sldId id="331" r:id="rId24"/>
+    <p:sldId id="347" r:id="rId25"/>
     <p:sldId id="329" r:id="rId26"/>
     <p:sldId id="330" r:id="rId27"/>
     <p:sldId id="332" r:id="rId28"/>
@@ -251,7 +251,7 @@
           <a:p>
             <a:fld id="{1CB48AD5-CDAE-4B7B-B49D-6DB81FF5A179}" type="datetimeFigureOut">
               <a:rPr lang="en-US" smtClean="0"/>
-              <a:t>9/16/2021</a:t>
+              <a:t>10/8/2021</a:t>
             </a:fld>
             <a:endParaRPr lang="en-US"/>
           </a:p>
@@ -665,7 +665,7 @@
           <a:p>
             <a:fld id="{C4959B56-7D6D-462F-B061-93C9E323EE8A}" type="datetimeFigureOut">
               <a:rPr lang="en-US" smtClean="0"/>
-              <a:t>9/16/2021</a:t>
+              <a:t>10/8/2021</a:t>
             </a:fld>
             <a:endParaRPr lang="en-US"/>
           </a:p>
@@ -863,7 +863,7 @@
           <a:p>
             <a:fld id="{C4959B56-7D6D-462F-B061-93C9E323EE8A}" type="datetimeFigureOut">
               <a:rPr lang="en-US" smtClean="0"/>
-              <a:t>9/16/2021</a:t>
+              <a:t>10/8/2021</a:t>
             </a:fld>
             <a:endParaRPr lang="en-US"/>
           </a:p>
@@ -1071,7 +1071,7 @@
           <a:p>
             <a:fld id="{C4959B56-7D6D-462F-B061-93C9E323EE8A}" type="datetimeFigureOut">
               <a:rPr lang="en-US" smtClean="0"/>
-              <a:t>9/16/2021</a:t>
+              <a:t>10/8/2021</a:t>
             </a:fld>
             <a:endParaRPr lang="en-US"/>
           </a:p>
@@ -1269,7 +1269,7 @@
           <a:p>
             <a:fld id="{C4959B56-7D6D-462F-B061-93C9E323EE8A}" type="datetimeFigureOut">
               <a:rPr lang="en-US" smtClean="0"/>
-              <a:t>9/16/2021</a:t>
+              <a:t>10/8/2021</a:t>
             </a:fld>
             <a:endParaRPr lang="en-US"/>
           </a:p>
@@ -1544,7 +1544,7 @@
           <a:p>
             <a:fld id="{C4959B56-7D6D-462F-B061-93C9E323EE8A}" type="datetimeFigureOut">
               <a:rPr lang="en-US" smtClean="0"/>
-              <a:t>9/16/2021</a:t>
+              <a:t>10/8/2021</a:t>
             </a:fld>
             <a:endParaRPr lang="en-US"/>
           </a:p>
@@ -1809,7 +1809,7 @@
           <a:p>
             <a:fld id="{C4959B56-7D6D-462F-B061-93C9E323EE8A}" type="datetimeFigureOut">
               <a:rPr lang="en-US" smtClean="0"/>
-              <a:t>9/16/2021</a:t>
+              <a:t>10/8/2021</a:t>
             </a:fld>
             <a:endParaRPr lang="en-US"/>
           </a:p>
@@ -2221,7 +2221,7 @@
           <a:p>
             <a:fld id="{C4959B56-7D6D-462F-B061-93C9E323EE8A}" type="datetimeFigureOut">
               <a:rPr lang="en-US" smtClean="0"/>
-              <a:t>9/16/2021</a:t>
+              <a:t>10/8/2021</a:t>
             </a:fld>
             <a:endParaRPr lang="en-US"/>
           </a:p>
@@ -2362,7 +2362,7 @@
           <a:p>
             <a:fld id="{C4959B56-7D6D-462F-B061-93C9E323EE8A}" type="datetimeFigureOut">
               <a:rPr lang="en-US" smtClean="0"/>
-              <a:t>9/16/2021</a:t>
+              <a:t>10/8/2021</a:t>
             </a:fld>
             <a:endParaRPr lang="en-US"/>
           </a:p>
@@ -2475,7 +2475,7 @@
           <a:p>
             <a:fld id="{C4959B56-7D6D-462F-B061-93C9E323EE8A}" type="datetimeFigureOut">
               <a:rPr lang="en-US" smtClean="0"/>
-              <a:t>9/16/2021</a:t>
+              <a:t>10/8/2021</a:t>
             </a:fld>
             <a:endParaRPr lang="en-US"/>
           </a:p>
@@ -2786,7 +2786,7 @@
           <a:p>
             <a:fld id="{C4959B56-7D6D-462F-B061-93C9E323EE8A}" type="datetimeFigureOut">
               <a:rPr lang="en-US" smtClean="0"/>
-              <a:t>9/16/2021</a:t>
+              <a:t>10/8/2021</a:t>
             </a:fld>
             <a:endParaRPr lang="en-US"/>
           </a:p>
@@ -3074,7 +3074,7 @@
           <a:p>
             <a:fld id="{C4959B56-7D6D-462F-B061-93C9E323EE8A}" type="datetimeFigureOut">
               <a:rPr lang="en-US" smtClean="0"/>
-              <a:t>9/16/2021</a:t>
+              <a:t>10/8/2021</a:t>
             </a:fld>
             <a:endParaRPr lang="en-US"/>
           </a:p>
@@ -3315,7 +3315,7 @@
           <a:p>
             <a:fld id="{C4959B56-7D6D-462F-B061-93C9E323EE8A}" type="datetimeFigureOut">
               <a:rPr lang="en-US" smtClean="0"/>
-              <a:t>9/16/2021</a:t>
+              <a:t>10/8/2021</a:t>
             </a:fld>
             <a:endParaRPr lang="en-US"/>
           </a:p>
@@ -3826,7 +3826,7 @@
                   <a:schemeClr val="accent1"/>
                 </a:solidFill>
               </a:rPr>
-              <a:t>Software Systems Engineering</a:t>
+              <a:t>Electrical and Computer Engineering (ECE)</a:t>
             </a:r>
           </a:p>
           <a:p>
@@ -5707,7 +5707,7 @@
         <p:spPr/>
         <p:txBody>
           <a:bodyPr>
-            <a:normAutofit fontScale="70000" lnSpcReduction="20000"/>
+            <a:normAutofit fontScale="85000" lnSpcReduction="20000"/>
           </a:bodyPr>
           <a:lstStyle/>
           <a:p>
@@ -5814,7 +5814,7 @@
             <a:r>
               <a:rPr lang="en-US" b="1" i="1" dirty="0">
                 <a:solidFill>
-                  <a:srgbClr val="FF0000"/>
+                  <a:srgbClr val="00B050"/>
                 </a:solidFill>
               </a:rPr>
               <a:t>Overlapping Subproblems</a:t>
@@ -5869,7 +5869,7 @@
             <a:r>
               <a:rPr lang="en-US" b="1" i="1" dirty="0">
                 <a:solidFill>
-                  <a:srgbClr val="FF0000"/>
+                  <a:srgbClr val="00B050"/>
                 </a:solidFill>
               </a:rPr>
               <a:t>Optimal Substructure</a:t>
@@ -5899,71 +5899,12 @@
               <a:buNone/>
             </a:pPr>
             <a:r>
-              <a:rPr lang="en-US" sz="2400" b="1" i="1" dirty="0">
-                <a:solidFill>
-                  <a:srgbClr val="FF0000"/>
-                </a:solidFill>
-              </a:rPr>
-              <a:t>		</a:t>
-            </a:r>
-          </a:p>
-          <a:p>
-            <a:pPr marL="0" indent="0">
-              <a:buNone/>
-            </a:pPr>
-            <a:r>
-              <a:rPr lang="en-US" sz="2400" dirty="0">
-                <a:solidFill>
-                  <a:schemeClr val="accent1"/>
-                </a:solidFill>
-              </a:rPr>
-              <a:t>DP is usually used to solve </a:t>
-            </a:r>
-            <a:r>
-              <a:rPr lang="en-US" sz="2400" b="1" i="1" dirty="0">
-                <a:solidFill>
-                  <a:srgbClr val="FF0000"/>
-                </a:solidFill>
-              </a:rPr>
-              <a:t>optimization problems </a:t>
-            </a:r>
-            <a:r>
-              <a:rPr lang="en-US" sz="2400" dirty="0">
-                <a:solidFill>
-                  <a:schemeClr val="accent1"/>
-                </a:solidFill>
-              </a:rPr>
-              <a:t>as we will see shortly.</a:t>
-            </a:r>
-          </a:p>
-          <a:p>
-            <a:pPr lvl="1"/>
-            <a:r>
-              <a:rPr lang="en-US" sz="2000" b="1" i="1" dirty="0">
-                <a:solidFill>
-                  <a:srgbClr val="FF0000"/>
-                </a:solidFill>
-              </a:rPr>
-              <a:t>Minimization</a:t>
-            </a:r>
-          </a:p>
-          <a:p>
-            <a:pPr lvl="1"/>
-            <a:r>
-              <a:rPr lang="en-US" sz="2000" b="1" i="1" dirty="0">
-                <a:solidFill>
-                  <a:srgbClr val="FF0000"/>
-                </a:solidFill>
-              </a:rPr>
-              <a:t>Maximization</a:t>
-            </a:r>
-            <a:r>
               <a:rPr lang="en-US" sz="2000" dirty="0">
                 <a:solidFill>
                   <a:schemeClr val="accent1"/>
                 </a:solidFill>
               </a:rPr>
-              <a:t>		</a:t>
+              <a:t>	</a:t>
             </a:r>
           </a:p>
           <a:p>
@@ -5992,6 +5933,271 @@
 </file>
 
 <file path=ppt/slides/slide14.xml><?xml version="1.0" encoding="utf-8"?>
+<p:sld xmlns:a="http://schemas.openxmlformats.org/drawingml/2006/main" xmlns:r="http://schemas.openxmlformats.org/officeDocument/2006/relationships" xmlns:p="http://schemas.openxmlformats.org/presentationml/2006/main">
+  <p:cSld>
+    <p:spTree>
+      <p:nvGrpSpPr>
+        <p:cNvPr id="1" name=""/>
+        <p:cNvGrpSpPr/>
+        <p:nvPr/>
+      </p:nvGrpSpPr>
+      <p:grpSpPr>
+        <a:xfrm>
+          <a:off x="0" y="0"/>
+          <a:ext cx="0" cy="0"/>
+          <a:chOff x="0" y="0"/>
+          <a:chExt cx="0" cy="0"/>
+        </a:xfrm>
+      </p:grpSpPr>
+      <p:sp>
+        <p:nvSpPr>
+          <p:cNvPr id="2" name="Title 1">
+            <a:extLst>
+              <a:ext uri="{FF2B5EF4-FFF2-40B4-BE49-F238E27FC236}">
+                <a16:creationId xmlns:a16="http://schemas.microsoft.com/office/drawing/2014/main" id="{8D62A456-4BC1-4B63-A3D3-DC1D81ADE037}"/>
+              </a:ext>
+            </a:extLst>
+          </p:cNvPr>
+          <p:cNvSpPr>
+            <a:spLocks noGrp="1"/>
+          </p:cNvSpPr>
+          <p:nvPr>
+            <p:ph type="title"/>
+          </p:nvPr>
+        </p:nvSpPr>
+        <p:spPr/>
+        <p:txBody>
+          <a:bodyPr/>
+          <a:lstStyle/>
+          <a:p>
+            <a:r>
+              <a:rPr lang="en-US" dirty="0">
+                <a:solidFill>
+                  <a:schemeClr val="accent1"/>
+                </a:solidFill>
+              </a:rPr>
+              <a:t>Dynamic Programming</a:t>
+            </a:r>
+          </a:p>
+        </p:txBody>
+      </p:sp>
+      <p:sp>
+        <p:nvSpPr>
+          <p:cNvPr id="3" name="Content Placeholder 2">
+            <a:extLst>
+              <a:ext uri="{FF2B5EF4-FFF2-40B4-BE49-F238E27FC236}">
+                <a16:creationId xmlns:a16="http://schemas.microsoft.com/office/drawing/2014/main" id="{8D231D7E-3D4E-4E26-B744-ED7A4ABAAB98}"/>
+              </a:ext>
+            </a:extLst>
+          </p:cNvPr>
+          <p:cNvSpPr>
+            <a:spLocks noGrp="1"/>
+          </p:cNvSpPr>
+          <p:nvPr>
+            <p:ph idx="1"/>
+          </p:nvPr>
+        </p:nvSpPr>
+        <p:spPr/>
+        <p:txBody>
+          <a:bodyPr>
+            <a:normAutofit fontScale="92500" lnSpcReduction="20000"/>
+          </a:bodyPr>
+          <a:lstStyle/>
+          <a:p>
+            <a:pPr marL="0" indent="0">
+              <a:buNone/>
+            </a:pPr>
+            <a:r>
+              <a:rPr lang="en-US" sz="2400" dirty="0">
+                <a:solidFill>
+                  <a:schemeClr val="accent1"/>
+                </a:solidFill>
+              </a:rPr>
+              <a:t>DP is generally used to solve </a:t>
+            </a:r>
+            <a:r>
+              <a:rPr lang="en-US" sz="2400" b="1" dirty="0">
+                <a:solidFill>
+                  <a:srgbClr val="FF0000"/>
+                </a:solidFill>
+              </a:rPr>
+              <a:t>optimization problems</a:t>
+            </a:r>
+            <a:r>
+              <a:rPr lang="en-US" sz="2400" dirty="0">
+                <a:solidFill>
+                  <a:schemeClr val="accent1"/>
+                </a:solidFill>
+              </a:rPr>
+              <a:t>.</a:t>
+            </a:r>
+          </a:p>
+          <a:p>
+            <a:pPr marL="0" indent="0">
+              <a:buNone/>
+            </a:pPr>
+            <a:endParaRPr lang="en-US" sz="2400" dirty="0">
+              <a:solidFill>
+                <a:schemeClr val="accent1"/>
+              </a:solidFill>
+            </a:endParaRPr>
+          </a:p>
+          <a:p>
+            <a:pPr marL="0" indent="0">
+              <a:buNone/>
+            </a:pPr>
+            <a:r>
+              <a:rPr lang="en-US" sz="2400" dirty="0">
+                <a:solidFill>
+                  <a:schemeClr val="accent1"/>
+                </a:solidFill>
+              </a:rPr>
+              <a:t>Here are the optimization problems we will cover in this course:</a:t>
+            </a:r>
+          </a:p>
+          <a:p>
+            <a:pPr marL="0" indent="0">
+              <a:buNone/>
+            </a:pPr>
+            <a:endParaRPr lang="en-US" sz="2400" dirty="0">
+              <a:solidFill>
+                <a:schemeClr val="accent1"/>
+              </a:solidFill>
+            </a:endParaRPr>
+          </a:p>
+          <a:p>
+            <a:pPr lvl="1"/>
+            <a:r>
+              <a:rPr lang="en-US" b="1" dirty="0">
+                <a:solidFill>
+                  <a:srgbClr val="FF0000"/>
+                </a:solidFill>
+              </a:rPr>
+              <a:t>Minimization Problems</a:t>
+            </a:r>
+          </a:p>
+          <a:p>
+            <a:pPr lvl="2"/>
+            <a:r>
+              <a:rPr lang="en-US" dirty="0">
+                <a:solidFill>
+                  <a:schemeClr val="accent1"/>
+                </a:solidFill>
+              </a:rPr>
+              <a:t>Matrix Chain Multiplication</a:t>
+            </a:r>
+          </a:p>
+          <a:p>
+            <a:pPr lvl="2"/>
+            <a:r>
+              <a:rPr lang="en-US" dirty="0">
+                <a:solidFill>
+                  <a:schemeClr val="accent1"/>
+                </a:solidFill>
+              </a:rPr>
+              <a:t>Bellman-Ford Algorithm</a:t>
+            </a:r>
+          </a:p>
+          <a:p>
+            <a:pPr lvl="2"/>
+            <a:r>
+              <a:rPr lang="en-US" dirty="0">
+                <a:solidFill>
+                  <a:schemeClr val="accent1"/>
+                </a:solidFill>
+              </a:rPr>
+              <a:t>Floyd-Warshall Algorithm </a:t>
+            </a:r>
+          </a:p>
+          <a:p>
+            <a:pPr marL="457200" lvl="1" indent="0">
+              <a:buNone/>
+            </a:pPr>
+            <a:endParaRPr lang="en-US" sz="2000" dirty="0">
+              <a:solidFill>
+                <a:schemeClr val="accent1"/>
+              </a:solidFill>
+            </a:endParaRPr>
+          </a:p>
+          <a:p>
+            <a:pPr lvl="1"/>
+            <a:r>
+              <a:rPr lang="en-US" b="1" dirty="0">
+                <a:solidFill>
+                  <a:srgbClr val="FF0000"/>
+                </a:solidFill>
+              </a:rPr>
+              <a:t>Maximization Problems</a:t>
+            </a:r>
+          </a:p>
+          <a:p>
+            <a:pPr lvl="2"/>
+            <a:r>
+              <a:rPr lang="en-US" sz="2400" dirty="0">
+                <a:solidFill>
+                  <a:schemeClr val="accent1"/>
+                </a:solidFill>
+              </a:rPr>
+              <a:t>Longest Common Subsequence </a:t>
+            </a:r>
+            <a:r>
+              <a:rPr lang="en-US" sz="1600" dirty="0">
+                <a:solidFill>
+                  <a:schemeClr val="accent1"/>
+                </a:solidFill>
+              </a:rPr>
+              <a:t>		</a:t>
+            </a:r>
+          </a:p>
+          <a:p>
+            <a:pPr marL="914400" lvl="2" indent="0">
+              <a:buNone/>
+            </a:pPr>
+            <a:endParaRPr lang="en-US" sz="2400" b="1" i="1" dirty="0">
+              <a:solidFill>
+                <a:srgbClr val="FF0000"/>
+              </a:solidFill>
+            </a:endParaRPr>
+          </a:p>
+          <a:p>
+            <a:pPr marL="914400" lvl="2" indent="0">
+              <a:buNone/>
+            </a:pPr>
+            <a:r>
+              <a:rPr lang="en-US" sz="2400" b="1" i="1" dirty="0">
+                <a:solidFill>
+                  <a:srgbClr val="FF0000"/>
+                </a:solidFill>
+              </a:rPr>
+              <a:t>		</a:t>
+            </a:r>
+          </a:p>
+          <a:p>
+            <a:pPr marL="0" indent="0">
+              <a:buNone/>
+            </a:pPr>
+            <a:endParaRPr lang="en-US" dirty="0">
+              <a:solidFill>
+                <a:schemeClr val="accent1"/>
+              </a:solidFill>
+            </a:endParaRPr>
+          </a:p>
+        </p:txBody>
+      </p:sp>
+    </p:spTree>
+    <p:extLst>
+      <p:ext uri="{BB962C8B-B14F-4D97-AF65-F5344CB8AC3E}">
+        <p14:creationId xmlns:p14="http://schemas.microsoft.com/office/powerpoint/2010/main" val="3587621151"/>
+      </p:ext>
+    </p:extLst>
+  </p:cSld>
+  <p:clrMapOvr>
+    <a:masterClrMapping/>
+  </p:clrMapOvr>
+</p:sld>
+</file>
+
+<file path=ppt/slides/slide15.xml><?xml version="1.0" encoding="utf-8"?>
 <p:sld xmlns:a="http://schemas.openxmlformats.org/drawingml/2006/main" xmlns:r="http://schemas.openxmlformats.org/officeDocument/2006/relationships" xmlns:p="http://schemas.openxmlformats.org/presentationml/2006/main">
   <p:cSld>
     <p:spTree>
@@ -6883,7 +7089,7 @@
 </p:sld>
 </file>
 
-<file path=ppt/slides/slide15.xml><?xml version="1.0" encoding="utf-8"?>
+<file path=ppt/slides/slide16.xml><?xml version="1.0" encoding="utf-8"?>
 <p:sld xmlns:a="http://schemas.openxmlformats.org/drawingml/2006/main" xmlns:r="http://schemas.openxmlformats.org/officeDocument/2006/relationships" xmlns:p="http://schemas.openxmlformats.org/presentationml/2006/main">
   <p:cSld>
     <p:spTree>
@@ -7309,7 +7515,7 @@
 </p:sld>
 </file>
 
-<file path=ppt/slides/slide16.xml><?xml version="1.0" encoding="utf-8"?>
+<file path=ppt/slides/slide17.xml><?xml version="1.0" encoding="utf-8"?>
 <p:sld xmlns:a="http://schemas.openxmlformats.org/drawingml/2006/main" xmlns:r="http://schemas.openxmlformats.org/officeDocument/2006/relationships" xmlns:p="http://schemas.openxmlformats.org/presentationml/2006/main">
   <p:cSld>
     <p:spTree>
@@ -9025,7 +9231,7 @@
 </p:sld>
 </file>
 
-<file path=ppt/slides/slide17.xml><?xml version="1.0" encoding="utf-8"?>
+<file path=ppt/slides/slide18.xml><?xml version="1.0" encoding="utf-8"?>
 <p:sld xmlns:a="http://schemas.openxmlformats.org/drawingml/2006/main" xmlns:r="http://schemas.openxmlformats.org/officeDocument/2006/relationships" xmlns:p="http://schemas.openxmlformats.org/presentationml/2006/main">
   <p:cSld>
     <p:spTree>
@@ -9818,7 +10024,7 @@
 </p:sld>
 </file>
 
-<file path=ppt/slides/slide18.xml><?xml version="1.0" encoding="utf-8"?>
+<file path=ppt/slides/slide19.xml><?xml version="1.0" encoding="utf-8"?>
 <p:sld xmlns:a="http://schemas.openxmlformats.org/drawingml/2006/main" xmlns:r="http://schemas.openxmlformats.org/officeDocument/2006/relationships" xmlns:p="http://schemas.openxmlformats.org/presentationml/2006/main">
   <p:cSld>
     <p:spTree>
@@ -11037,7 +11243,111 @@
 </p:sld>
 </file>
 
-<file path=ppt/slides/slide19.xml><?xml version="1.0" encoding="utf-8"?>
+<file path=ppt/slides/slide2.xml><?xml version="1.0" encoding="utf-8"?>
+<p:sld xmlns:a="http://schemas.openxmlformats.org/drawingml/2006/main" xmlns:r="http://schemas.openxmlformats.org/officeDocument/2006/relationships" xmlns:p="http://schemas.openxmlformats.org/presentationml/2006/main">
+  <p:cSld>
+    <p:spTree>
+      <p:nvGrpSpPr>
+        <p:cNvPr id="1" name=""/>
+        <p:cNvGrpSpPr/>
+        <p:nvPr/>
+      </p:nvGrpSpPr>
+      <p:grpSpPr>
+        <a:xfrm>
+          <a:off x="0" y="0"/>
+          <a:ext cx="0" cy="0"/>
+          <a:chOff x="0" y="0"/>
+          <a:chExt cx="0" cy="0"/>
+        </a:xfrm>
+      </p:grpSpPr>
+      <p:sp>
+        <p:nvSpPr>
+          <p:cNvPr id="2" name="Title 1">
+            <a:extLst>
+              <a:ext uri="{FF2B5EF4-FFF2-40B4-BE49-F238E27FC236}">
+                <a16:creationId xmlns:a16="http://schemas.microsoft.com/office/drawing/2014/main" id="{749E6070-61A5-4356-9C31-AE0A38591868}"/>
+              </a:ext>
+            </a:extLst>
+          </p:cNvPr>
+          <p:cNvSpPr>
+            <a:spLocks noGrp="1"/>
+          </p:cNvSpPr>
+          <p:nvPr>
+            <p:ph type="title"/>
+          </p:nvPr>
+        </p:nvSpPr>
+        <p:spPr/>
+        <p:txBody>
+          <a:bodyPr/>
+          <a:lstStyle/>
+          <a:p>
+            <a:pPr algn="ctr"/>
+            <a:endParaRPr lang="en-US" dirty="0">
+              <a:solidFill>
+                <a:schemeClr val="accent1"/>
+              </a:solidFill>
+            </a:endParaRPr>
+          </a:p>
+        </p:txBody>
+      </p:sp>
+      <p:sp>
+        <p:nvSpPr>
+          <p:cNvPr id="3" name="Content Placeholder 2">
+            <a:extLst>
+              <a:ext uri="{FF2B5EF4-FFF2-40B4-BE49-F238E27FC236}">
+                <a16:creationId xmlns:a16="http://schemas.microsoft.com/office/drawing/2014/main" id="{206F444E-BC98-41BD-8334-55BDE5C74B1F}"/>
+              </a:ext>
+            </a:extLst>
+          </p:cNvPr>
+          <p:cNvSpPr>
+            <a:spLocks noGrp="1"/>
+          </p:cNvSpPr>
+          <p:nvPr>
+            <p:ph idx="1"/>
+          </p:nvPr>
+        </p:nvSpPr>
+        <p:spPr/>
+        <p:txBody>
+          <a:bodyPr/>
+          <a:lstStyle/>
+          <a:p>
+            <a:endParaRPr lang="en-US" dirty="0"/>
+          </a:p>
+          <a:p>
+            <a:pPr marL="0" indent="0">
+              <a:buNone/>
+            </a:pPr>
+            <a:endParaRPr lang="en-US" dirty="0"/>
+          </a:p>
+          <a:p>
+            <a:pPr marL="0" indent="0">
+              <a:buNone/>
+            </a:pPr>
+            <a:r>
+              <a:rPr lang="en-US" sz="4400" dirty="0">
+                <a:solidFill>
+                  <a:schemeClr val="accent1"/>
+                </a:solidFill>
+              </a:rPr>
+              <a:t>Lecture 7: Dynamic Programming</a:t>
+            </a:r>
+          </a:p>
+        </p:txBody>
+      </p:sp>
+    </p:spTree>
+    <p:extLst>
+      <p:ext uri="{BB962C8B-B14F-4D97-AF65-F5344CB8AC3E}">
+        <p14:creationId xmlns:p14="http://schemas.microsoft.com/office/powerpoint/2010/main" val="316990749"/>
+      </p:ext>
+    </p:extLst>
+  </p:cSld>
+  <p:clrMapOvr>
+    <a:masterClrMapping/>
+  </p:clrMapOvr>
+</p:sld>
+</file>
+
+<file path=ppt/slides/slide20.xml><?xml version="1.0" encoding="utf-8"?>
 <p:sld xmlns:a="http://schemas.openxmlformats.org/drawingml/2006/main" xmlns:r="http://schemas.openxmlformats.org/officeDocument/2006/relationships" xmlns:p="http://schemas.openxmlformats.org/presentationml/2006/main">
   <p:cSld>
     <p:spTree>
@@ -12582,111 +12892,7 @@
 </p:sld>
 </file>
 
-<file path=ppt/slides/slide2.xml><?xml version="1.0" encoding="utf-8"?>
-<p:sld xmlns:a="http://schemas.openxmlformats.org/drawingml/2006/main" xmlns:r="http://schemas.openxmlformats.org/officeDocument/2006/relationships" xmlns:p="http://schemas.openxmlformats.org/presentationml/2006/main">
-  <p:cSld>
-    <p:spTree>
-      <p:nvGrpSpPr>
-        <p:cNvPr id="1" name=""/>
-        <p:cNvGrpSpPr/>
-        <p:nvPr/>
-      </p:nvGrpSpPr>
-      <p:grpSpPr>
-        <a:xfrm>
-          <a:off x="0" y="0"/>
-          <a:ext cx="0" cy="0"/>
-          <a:chOff x="0" y="0"/>
-          <a:chExt cx="0" cy="0"/>
-        </a:xfrm>
-      </p:grpSpPr>
-      <p:sp>
-        <p:nvSpPr>
-          <p:cNvPr id="2" name="Title 1">
-            <a:extLst>
-              <a:ext uri="{FF2B5EF4-FFF2-40B4-BE49-F238E27FC236}">
-                <a16:creationId xmlns:a16="http://schemas.microsoft.com/office/drawing/2014/main" id="{749E6070-61A5-4356-9C31-AE0A38591868}"/>
-              </a:ext>
-            </a:extLst>
-          </p:cNvPr>
-          <p:cNvSpPr>
-            <a:spLocks noGrp="1"/>
-          </p:cNvSpPr>
-          <p:nvPr>
-            <p:ph type="title"/>
-          </p:nvPr>
-        </p:nvSpPr>
-        <p:spPr/>
-        <p:txBody>
-          <a:bodyPr/>
-          <a:lstStyle/>
-          <a:p>
-            <a:pPr algn="ctr"/>
-            <a:endParaRPr lang="en-US" dirty="0">
-              <a:solidFill>
-                <a:schemeClr val="accent1"/>
-              </a:solidFill>
-            </a:endParaRPr>
-          </a:p>
-        </p:txBody>
-      </p:sp>
-      <p:sp>
-        <p:nvSpPr>
-          <p:cNvPr id="3" name="Content Placeholder 2">
-            <a:extLst>
-              <a:ext uri="{FF2B5EF4-FFF2-40B4-BE49-F238E27FC236}">
-                <a16:creationId xmlns:a16="http://schemas.microsoft.com/office/drawing/2014/main" id="{206F444E-BC98-41BD-8334-55BDE5C74B1F}"/>
-              </a:ext>
-            </a:extLst>
-          </p:cNvPr>
-          <p:cNvSpPr>
-            <a:spLocks noGrp="1"/>
-          </p:cNvSpPr>
-          <p:nvPr>
-            <p:ph idx="1"/>
-          </p:nvPr>
-        </p:nvSpPr>
-        <p:spPr/>
-        <p:txBody>
-          <a:bodyPr/>
-          <a:lstStyle/>
-          <a:p>
-            <a:endParaRPr lang="en-US" dirty="0"/>
-          </a:p>
-          <a:p>
-            <a:pPr marL="0" indent="0">
-              <a:buNone/>
-            </a:pPr>
-            <a:endParaRPr lang="en-US" dirty="0"/>
-          </a:p>
-          <a:p>
-            <a:pPr marL="0" indent="0">
-              <a:buNone/>
-            </a:pPr>
-            <a:r>
-              <a:rPr lang="en-US" sz="4400" dirty="0">
-                <a:solidFill>
-                  <a:schemeClr val="accent1"/>
-                </a:solidFill>
-              </a:rPr>
-              <a:t>Lecture 7: Dynamic Programming</a:t>
-            </a:r>
-          </a:p>
-        </p:txBody>
-      </p:sp>
-    </p:spTree>
-    <p:extLst>
-      <p:ext uri="{BB962C8B-B14F-4D97-AF65-F5344CB8AC3E}">
-        <p14:creationId xmlns:p14="http://schemas.microsoft.com/office/powerpoint/2010/main" val="316990749"/>
-      </p:ext>
-    </p:extLst>
-  </p:cSld>
-  <p:clrMapOvr>
-    <a:masterClrMapping/>
-  </p:clrMapOvr>
-</p:sld>
-</file>
-
-<file path=ppt/slides/slide20.xml><?xml version="1.0" encoding="utf-8"?>
+<file path=ppt/slides/slide21.xml><?xml version="1.0" encoding="utf-8"?>
 <p:sld xmlns:a="http://schemas.openxmlformats.org/drawingml/2006/main" xmlns:r="http://schemas.openxmlformats.org/officeDocument/2006/relationships" xmlns:p="http://schemas.openxmlformats.org/presentationml/2006/main">
   <p:cSld>
     <p:spTree>
@@ -14627,7 +14833,7 @@
 </p:sld>
 </file>
 
-<file path=ppt/slides/slide21.xml><?xml version="1.0" encoding="utf-8"?>
+<file path=ppt/slides/slide22.xml><?xml version="1.0" encoding="utf-8"?>
 <p:sld xmlns:a="http://schemas.openxmlformats.org/drawingml/2006/main" xmlns:r="http://schemas.openxmlformats.org/officeDocument/2006/relationships" xmlns:p="http://schemas.openxmlformats.org/presentationml/2006/main">
   <p:cSld>
     <p:spTree>
@@ -14982,7 +15188,7 @@
                                   </a:solidFill>
                                   <a:latin typeface="Cambria Math" panose="02040503050406030204" pitchFamily="18" charset="0"/>
                                 </a:rPr>
-                                <m:t>1,                                                                       </m:t>
+                                <m:t>0,                                                                       </m:t>
                               </m:r>
                               <m:r>
                                 <a:rPr lang="en-US" b="0" i="1" smtClean="0">
@@ -15609,7 +15815,7 @@
 </p:sld>
 </file>
 
-<file path=ppt/slides/slide22.xml><?xml version="1.0" encoding="utf-8"?>
+<file path=ppt/slides/slide23.xml><?xml version="1.0" encoding="utf-8"?>
 <p:sld xmlns:a="http://schemas.openxmlformats.org/drawingml/2006/main" xmlns:r="http://schemas.openxmlformats.org/officeDocument/2006/relationships" xmlns:p="http://schemas.openxmlformats.org/presentationml/2006/main">
   <p:cSld>
     <p:spTree>
@@ -15694,8 +15900,8 @@
           </a:xfrm>
         </p:spPr>
       </p:pic>
-      <mc:AlternateContent xmlns:mc="http://schemas.openxmlformats.org/markup-compatibility/2006">
-        <mc:Choice xmlns:a14="http://schemas.microsoft.com/office/drawing/2010/main" Requires="a14">
+      <mc:AlternateContent xmlns:mc="http://schemas.openxmlformats.org/markup-compatibility/2006" xmlns:a14="http://schemas.microsoft.com/office/drawing/2010/main">
+        <mc:Choice Requires="a14">
           <p:sp>
             <p:nvSpPr>
               <p:cNvPr id="7" name="TextBox 6">
@@ -15873,16 +16079,7 @@
                             </a:solidFill>
                             <a:latin typeface="Cambria Math" panose="02040503050406030204" pitchFamily="18" charset="0"/>
                           </a:rPr>
-                          <m:t>=</m:t>
-                        </m:r>
-                        <m:r>
-                          <a:rPr lang="en-US" sz="1600" b="0" i="1" smtClean="0">
-                            <a:solidFill>
-                              <a:schemeClr val="tx1"/>
-                            </a:solidFill>
-                            <a:latin typeface="Cambria Math" panose="02040503050406030204" pitchFamily="18" charset="0"/>
-                          </a:rPr>
-                          <m:t>1</m:t>
+                          <m:t>=1</m:t>
                         </m:r>
                       </m:sub>
                       <m:sup>
@@ -16020,16 +16217,7 @@
                         </a:solidFill>
                         <a:latin typeface="Cambria Math" panose="02040503050406030204" pitchFamily="18" charset="0"/>
                       </a:rPr>
-                      <m:t>+</m:t>
-                    </m:r>
-                    <m:r>
-                      <a:rPr lang="en-US" sz="1600" b="0" i="1" smtClean="0">
-                        <a:solidFill>
-                          <a:schemeClr val="tx1"/>
-                        </a:solidFill>
-                        <a:latin typeface="Cambria Math" panose="02040503050406030204" pitchFamily="18" charset="0"/>
-                      </a:rPr>
-                      <m:t>1)</m:t>
+                      <m:t>+1)</m:t>
                     </m:r>
                   </m:oMath>
                 </a14:m>
@@ -16117,16 +16305,7 @@
                             </a:solidFill>
                             <a:latin typeface="Cambria Math" panose="02040503050406030204" pitchFamily="18" charset="0"/>
                           </a:rPr>
-                          <m:t>=</m:t>
-                        </m:r>
-                        <m:r>
-                          <a:rPr lang="en-US" sz="1600" b="0" i="1" smtClean="0">
-                            <a:solidFill>
-                              <a:schemeClr val="tx1"/>
-                            </a:solidFill>
-                            <a:latin typeface="Cambria Math" panose="02040503050406030204" pitchFamily="18" charset="0"/>
-                          </a:rPr>
-                          <m:t>1</m:t>
+                          <m:t>=1</m:t>
                         </m:r>
                       </m:sub>
                       <m:sup>
@@ -16290,10 +16469,10 @@
                               <m:t>=</m:t>
                             </m:r>
                             <m:r>
-                              <a:rPr lang="en-US" sz="1600" i="1">
+                              <a:rPr lang="en-US" sz="1600" b="0" i="1" smtClean="0">
                                 <a:latin typeface="Cambria Math" panose="02040503050406030204" pitchFamily="18" charset="0"/>
                               </a:rPr>
-                              <m:t>𝑖</m:t>
+                              <m:t>1</m:t>
                             </m:r>
                           </m:sub>
                           <m:sup>
@@ -16418,16 +16597,7 @@
                         </a:solidFill>
                         <a:latin typeface="Cambria Math" panose="02040503050406030204" pitchFamily="18" charset="0"/>
                       </a:rPr>
-                      <m:t>≥</m:t>
-                    </m:r>
-                    <m:r>
-                      <a:rPr lang="en-US" sz="1600" b="0" i="1" smtClean="0">
-                        <a:solidFill>
-                          <a:schemeClr val="tx1"/>
-                        </a:solidFill>
-                        <a:latin typeface="Cambria Math" panose="02040503050406030204" pitchFamily="18" charset="0"/>
-                      </a:rPr>
-                      <m:t> 2</m:t>
+                      <m:t>≥ 2</m:t>
                     </m:r>
                     <m:nary>
                       <m:naryPr>
@@ -16461,16 +16631,7 @@
                             </a:solidFill>
                             <a:latin typeface="Cambria Math" panose="02040503050406030204" pitchFamily="18" charset="0"/>
                           </a:rPr>
-                          <m:t>=</m:t>
-                        </m:r>
-                        <m:r>
-                          <a:rPr lang="en-US" sz="1600" b="0" i="1" smtClean="0">
-                            <a:solidFill>
-                              <a:schemeClr val="tx1"/>
-                            </a:solidFill>
-                            <a:latin typeface="Cambria Math" panose="02040503050406030204" pitchFamily="18" charset="0"/>
-                          </a:rPr>
-                          <m:t>1</m:t>
+                          <m:t>=1</m:t>
                         </m:r>
                       </m:sub>
                       <m:sup>
@@ -16569,7 +16730,7 @@
             </p:txBody>
           </p:sp>
         </mc:Choice>
-        <mc:Fallback>
+        <mc:Fallback xmlns="">
           <p:sp>
             <p:nvSpPr>
               <p:cNvPr id="7" name="TextBox 6">
@@ -16627,7 +16788,7 @@
 </p:sld>
 </file>
 
-<file path=ppt/slides/slide23.xml><?xml version="1.0" encoding="utf-8"?>
+<file path=ppt/slides/slide24.xml><?xml version="1.0" encoding="utf-8"?>
 <p:sld xmlns:a="http://schemas.openxmlformats.org/drawingml/2006/main" xmlns:r="http://schemas.openxmlformats.org/officeDocument/2006/relationships" xmlns:p="http://schemas.openxmlformats.org/presentationml/2006/main">
   <p:cSld>
     <p:spTree>
@@ -16677,8 +16838,8 @@
           </a:p>
         </p:txBody>
       </p:sp>
-      <mc:AlternateContent xmlns:mc="http://schemas.openxmlformats.org/markup-compatibility/2006">
-        <mc:Choice xmlns:a14="http://schemas.microsoft.com/office/drawing/2010/main" Requires="a14">
+      <mc:AlternateContent xmlns:mc="http://schemas.openxmlformats.org/markup-compatibility/2006" xmlns:a14="http://schemas.microsoft.com/office/drawing/2010/main">
+        <mc:Choice Requires="a14">
           <p:sp>
             <p:nvSpPr>
               <p:cNvPr id="3" name="Content Placeholder 2">
@@ -16698,7 +16859,7 @@
             <p:spPr/>
             <p:txBody>
               <a:bodyPr>
-                <a:normAutofit/>
+                <a:normAutofit fontScale="85000" lnSpcReduction="10000"/>
               </a:bodyPr>
               <a:lstStyle/>
               <a:p>
@@ -16754,16 +16915,7 @@
                         </a:solidFill>
                         <a:latin typeface="Cambria Math" panose="02040503050406030204" pitchFamily="18" charset="0"/>
                       </a:rPr>
-                      <m:t>≥</m:t>
-                    </m:r>
-                    <m:r>
-                      <a:rPr lang="en-US" sz="2400" b="0" i="1" smtClean="0">
-                        <a:solidFill>
-                          <a:schemeClr val="tx1"/>
-                        </a:solidFill>
-                        <a:latin typeface="Cambria Math" panose="02040503050406030204" pitchFamily="18" charset="0"/>
-                      </a:rPr>
-                      <m:t>2</m:t>
+                      <m:t>≥2</m:t>
                     </m:r>
                     <m:nary>
                       <m:naryPr>
@@ -16797,16 +16949,7 @@
                             </a:solidFill>
                             <a:latin typeface="Cambria Math" panose="02040503050406030204" pitchFamily="18" charset="0"/>
                           </a:rPr>
-                          <m:t>=</m:t>
-                        </m:r>
-                        <m:r>
-                          <a:rPr lang="en-US" sz="2400" b="0" i="1" smtClean="0">
-                            <a:solidFill>
-                              <a:schemeClr val="tx1"/>
-                            </a:solidFill>
-                            <a:latin typeface="Cambria Math" panose="02040503050406030204" pitchFamily="18" charset="0"/>
-                          </a:rPr>
-                          <m:t>1</m:t>
+                          <m:t>=1</m:t>
                         </m:r>
                       </m:sub>
                       <m:sup>
@@ -17127,7 +17270,7 @@
                     <m:sSup>
                       <m:sSupPr>
                         <m:ctrlPr>
-                          <a:rPr lang="en-US" sz="2400" b="0" i="0" smtClean="0">
+                          <a:rPr lang="en-US" sz="2400" b="0" i="1" smtClean="0">
                             <a:latin typeface="Cambria Math" panose="02040503050406030204" pitchFamily="18" charset="0"/>
                           </a:rPr>
                         </m:ctrlPr>
@@ -17301,13 +17444,7 @@
                       <a:rPr lang="en-US" sz="2400" b="0" i="1" smtClean="0">
                         <a:latin typeface="Cambria Math" panose="02040503050406030204" pitchFamily="18" charset="0"/>
                       </a:rPr>
-                      <m:t>=1,2,</m:t>
-                    </m:r>
-                    <m:r>
-                      <a:rPr lang="en-US" sz="2400" b="0" i="1" smtClean="0">
-                        <a:latin typeface="Cambria Math" panose="02040503050406030204" pitchFamily="18" charset="0"/>
-                      </a:rPr>
-                      <m:t>3,…</m:t>
+                      <m:t>=1,2,3,…</m:t>
                     </m:r>
                     <m:r>
                       <a:rPr lang="en-US" sz="2400" b="0" i="1" smtClean="0">
@@ -17402,25 +17539,7 @@
                           </a:solidFill>
                           <a:latin typeface="Cambria Math" panose="02040503050406030204" pitchFamily="18" charset="0"/>
                         </a:rPr>
-                        <m:t>≥</m:t>
-                      </m:r>
-                      <m:r>
-                        <a:rPr lang="en-US" sz="2400" b="0" i="1" smtClean="0">
-                          <a:solidFill>
-                            <a:schemeClr val="tx1"/>
-                          </a:solidFill>
-                          <a:latin typeface="Cambria Math" panose="02040503050406030204" pitchFamily="18" charset="0"/>
-                        </a:rPr>
-                        <m:t> </m:t>
-                      </m:r>
-                      <m:r>
-                        <a:rPr lang="en-US" sz="2400" b="0" i="1" smtClean="0">
-                          <a:solidFill>
-                            <a:schemeClr val="tx1"/>
-                          </a:solidFill>
-                          <a:latin typeface="Cambria Math" panose="02040503050406030204" pitchFamily="18" charset="0"/>
-                        </a:rPr>
-                        <m:t>2</m:t>
+                        <m:t>≥ 2</m:t>
                       </m:r>
                       <m:nary>
                         <m:naryPr>
@@ -17454,16 +17573,7 @@
                               </a:solidFill>
                               <a:latin typeface="Cambria Math" panose="02040503050406030204" pitchFamily="18" charset="0"/>
                             </a:rPr>
-                            <m:t>=</m:t>
-                          </m:r>
-                          <m:r>
-                            <a:rPr lang="en-US" sz="2400" b="0" i="1" smtClean="0">
-                              <a:solidFill>
-                                <a:schemeClr val="tx1"/>
-                              </a:solidFill>
-                              <a:latin typeface="Cambria Math" panose="02040503050406030204" pitchFamily="18" charset="0"/>
-                            </a:rPr>
-                            <m:t>1</m:t>
+                            <m:t>=1</m:t>
                           </m:r>
                         </m:sub>
                         <m:sup>
@@ -17813,8 +17923,136 @@
                       <a:schemeClr val="accent1"/>
                     </a:solidFill>
                   </a:rPr>
-                  <a:t>(nested induction)</a:t>
-                </a:r>
+                  <a:t>(This can be done using either induction or calculus).    </a:t>
+                </a:r>
+                <a:br>
+                  <a:rPr lang="en-US" sz="2400" dirty="0">
+                    <a:solidFill>
+                      <a:schemeClr val="accent1"/>
+                    </a:solidFill>
+                  </a:rPr>
+                </a:br>
+                <a:r>
+                  <a:rPr lang="en-US" sz="2400" dirty="0">
+                    <a:solidFill>
+                      <a:schemeClr val="accent1"/>
+                    </a:solidFill>
+                  </a:rPr>
+                  <a:t>Hence, </a:t>
+                </a:r>
+                <a14:m>
+                  <m:oMath xmlns:m="http://schemas.openxmlformats.org/officeDocument/2006/math">
+                    <m:r>
+                      <a:rPr lang="en-US" sz="2400" i="1">
+                        <a:latin typeface="Cambria Math" panose="02040503050406030204" pitchFamily="18" charset="0"/>
+                      </a:rPr>
+                      <m:t>𝑇</m:t>
+                    </m:r>
+                    <m:d>
+                      <m:dPr>
+                        <m:ctrlPr>
+                          <a:rPr lang="en-US" sz="2400" i="1">
+                            <a:latin typeface="Cambria Math" panose="02040503050406030204" pitchFamily="18" charset="0"/>
+                          </a:rPr>
+                        </m:ctrlPr>
+                      </m:dPr>
+                      <m:e>
+                        <m:r>
+                          <a:rPr lang="en-US" sz="2400" b="0" i="1" smtClean="0">
+                            <a:latin typeface="Cambria Math" panose="02040503050406030204" pitchFamily="18" charset="0"/>
+                          </a:rPr>
+                          <m:t>𝑚</m:t>
+                        </m:r>
+                      </m:e>
+                    </m:d>
+                    <m:r>
+                      <a:rPr lang="en-US" sz="2400" b="0" i="1" smtClean="0">
+                        <a:latin typeface="Cambria Math" panose="02040503050406030204" pitchFamily="18" charset="0"/>
+                      </a:rPr>
+                      <m:t>≥ </m:t>
+                    </m:r>
+                    <m:sSup>
+                      <m:sSupPr>
+                        <m:ctrlPr>
+                          <a:rPr lang="en-US" sz="2400" i="1">
+                            <a:latin typeface="Cambria Math" panose="02040503050406030204" pitchFamily="18" charset="0"/>
+                          </a:rPr>
+                        </m:ctrlPr>
+                      </m:sSupPr>
+                      <m:e>
+                        <m:r>
+                          <a:rPr lang="en-US" sz="2400" i="1">
+                            <a:latin typeface="Cambria Math" panose="02040503050406030204" pitchFamily="18" charset="0"/>
+                          </a:rPr>
+                          <m:t>2</m:t>
+                        </m:r>
+                      </m:e>
+                      <m:sup>
+                        <m:r>
+                          <a:rPr lang="en-US" sz="2400" i="1">
+                            <a:latin typeface="Cambria Math" panose="02040503050406030204" pitchFamily="18" charset="0"/>
+                          </a:rPr>
+                          <m:t>𝑚</m:t>
+                        </m:r>
+                      </m:sup>
+                    </m:sSup>
+                  </m:oMath>
+                </a14:m>
+                <a:r>
+                  <a:rPr lang="en-US" sz="2400" dirty="0">
+                    <a:solidFill>
+                      <a:schemeClr val="accent1"/>
+                    </a:solidFill>
+                  </a:rPr>
+                  <a:t>.</a:t>
+                </a:r>
+              </a:p>
+              <a:p>
+                <a:pPr marL="0" indent="0">
+                  <a:buNone/>
+                </a:pPr>
+                <a:r>
+                  <a:rPr lang="en-US" sz="2400" dirty="0">
+                    <a:solidFill>
+                      <a:schemeClr val="accent1"/>
+                    </a:solidFill>
+                  </a:rPr>
+                  <a:t>By the principle of mathematical induction, we have shown that the claim is true for all </a:t>
+                </a:r>
+                <a14:m>
+                  <m:oMath xmlns:m="http://schemas.openxmlformats.org/officeDocument/2006/math">
+                    <m:r>
+                      <a:rPr lang="en-US" sz="2400" i="1" smtClean="0">
+                        <a:latin typeface="Cambria Math" panose="02040503050406030204" pitchFamily="18" charset="0"/>
+                      </a:rPr>
+                      <m:t>𝑛</m:t>
+                    </m:r>
+                    <m:r>
+                      <a:rPr lang="en-US" sz="2400" b="0" i="0" smtClean="0">
+                        <a:latin typeface="Cambria Math" panose="02040503050406030204" pitchFamily="18" charset="0"/>
+                      </a:rPr>
+                      <m:t>≥1</m:t>
+                    </m:r>
+                  </m:oMath>
+                </a14:m>
+                <a:r>
+                  <a:rPr lang="en-US" sz="2400" dirty="0">
+                    <a:solidFill>
+                      <a:schemeClr val="accent1"/>
+                    </a:solidFill>
+                  </a:rPr>
+                  <a:t>.</a:t>
+                </a:r>
+              </a:p>
+              <a:p>
+                <a:pPr marL="0" indent="0">
+                  <a:buNone/>
+                </a:pPr>
+                <a:endParaRPr lang="en-US" sz="2400" dirty="0">
+                  <a:solidFill>
+                    <a:schemeClr val="accent1"/>
+                  </a:solidFill>
+                </a:endParaRPr>
               </a:p>
               <a:p>
                 <a:pPr marL="0" indent="0">
@@ -17829,7 +18067,7 @@
             </p:txBody>
           </p:sp>
         </mc:Choice>
-        <mc:Fallback>
+        <mc:Fallback xmlns="">
           <p:sp>
             <p:nvSpPr>
               <p:cNvPr id="3" name="Content Placeholder 2">
@@ -17850,7 +18088,7 @@
               <a:blipFill>
                 <a:blip r:embed="rId2"/>
                 <a:stretch>
-                  <a:fillRect l="-928" r="-696"/>
+                  <a:fillRect l="-638" t="-11765"/>
                 </a:stretch>
               </a:blipFill>
             </p:spPr>
@@ -17873,560 +18111,6 @@
     <p:extLst>
       <p:ext uri="{BB962C8B-B14F-4D97-AF65-F5344CB8AC3E}">
         <p14:creationId xmlns:p14="http://schemas.microsoft.com/office/powerpoint/2010/main" val="2427849403"/>
-      </p:ext>
-    </p:extLst>
-  </p:cSld>
-  <p:clrMapOvr>
-    <a:masterClrMapping/>
-  </p:clrMapOvr>
-</p:sld>
-</file>
-
-<file path=ppt/slides/slide24.xml><?xml version="1.0" encoding="utf-8"?>
-<p:sld xmlns:a="http://schemas.openxmlformats.org/drawingml/2006/main" xmlns:r="http://schemas.openxmlformats.org/officeDocument/2006/relationships" xmlns:p="http://schemas.openxmlformats.org/presentationml/2006/main">
-  <p:cSld>
-    <p:spTree>
-      <p:nvGrpSpPr>
-        <p:cNvPr id="1" name=""/>
-        <p:cNvGrpSpPr/>
-        <p:nvPr/>
-      </p:nvGrpSpPr>
-      <p:grpSpPr>
-        <a:xfrm>
-          <a:off x="0" y="0"/>
-          <a:ext cx="0" cy="0"/>
-          <a:chOff x="0" y="0"/>
-          <a:chExt cx="0" cy="0"/>
-        </a:xfrm>
-      </p:grpSpPr>
-      <p:sp>
-        <p:nvSpPr>
-          <p:cNvPr id="2" name="Title 1">
-            <a:extLst>
-              <a:ext uri="{FF2B5EF4-FFF2-40B4-BE49-F238E27FC236}">
-                <a16:creationId xmlns:a16="http://schemas.microsoft.com/office/drawing/2014/main" id="{654A7CBB-86F1-41B1-834B-BAD4D9E4A0DA}"/>
-              </a:ext>
-            </a:extLst>
-          </p:cNvPr>
-          <p:cNvSpPr>
-            <a:spLocks noGrp="1"/>
-          </p:cNvSpPr>
-          <p:nvPr>
-            <p:ph type="title"/>
-          </p:nvPr>
-        </p:nvSpPr>
-        <p:spPr/>
-        <p:txBody>
-          <a:bodyPr/>
-          <a:lstStyle/>
-          <a:p>
-            <a:r>
-              <a:rPr lang="en-US" sz="4400" dirty="0">
-                <a:solidFill>
-                  <a:schemeClr val="accent1"/>
-                </a:solidFill>
-              </a:rPr>
-              <a:t>Matrix Chain Multiplication: Top-Down</a:t>
-            </a:r>
-            <a:endParaRPr lang="en-US" dirty="0"/>
-          </a:p>
-        </p:txBody>
-      </p:sp>
-      <mc:AlternateContent xmlns:mc="http://schemas.openxmlformats.org/markup-compatibility/2006">
-        <mc:Choice xmlns:a14="http://schemas.microsoft.com/office/drawing/2010/main" Requires="a14">
-          <p:sp>
-            <p:nvSpPr>
-              <p:cNvPr id="3" name="Content Placeholder 2">
-                <a:extLst>
-                  <a:ext uri="{FF2B5EF4-FFF2-40B4-BE49-F238E27FC236}">
-                    <a16:creationId xmlns:a16="http://schemas.microsoft.com/office/drawing/2014/main" id="{A7D738C2-8F07-4543-9F04-9185B0CBE5F1}"/>
-                  </a:ext>
-                </a:extLst>
-              </p:cNvPr>
-              <p:cNvSpPr>
-                <a:spLocks noGrp="1"/>
-              </p:cNvSpPr>
-              <p:nvPr>
-                <p:ph idx="1"/>
-              </p:nvPr>
-            </p:nvSpPr>
-            <p:spPr/>
-            <p:txBody>
-              <a:bodyPr/>
-              <a:lstStyle/>
-              <a:p>
-                <a:pPr marL="0" indent="0">
-                  <a:buNone/>
-                </a:pPr>
-                <a:r>
-                  <a:rPr lang="en-US" sz="2800" b="1" dirty="0">
-                    <a:solidFill>
-                      <a:srgbClr val="FF0000"/>
-                    </a:solidFill>
-                  </a:rPr>
-                  <a:t>Claim:</a:t>
-                </a:r>
-                <a14:m>
-                  <m:oMath xmlns:m="http://schemas.openxmlformats.org/officeDocument/2006/math">
-                    <m:sSup>
-                      <m:sSupPr>
-                        <m:ctrlPr>
-                          <a:rPr lang="en-US" sz="2800" i="1" smtClean="0">
-                            <a:latin typeface="Cambria Math" panose="02040503050406030204" pitchFamily="18" charset="0"/>
-                          </a:rPr>
-                        </m:ctrlPr>
-                      </m:sSupPr>
-                      <m:e>
-                        <m:r>
-                          <a:rPr lang="en-US" sz="2800" b="0" i="1" smtClean="0">
-                            <a:latin typeface="Cambria Math" panose="02040503050406030204" pitchFamily="18" charset="0"/>
-                          </a:rPr>
-                          <m:t>   </m:t>
-                        </m:r>
-                        <m:r>
-                          <a:rPr lang="en-US" sz="2800" i="1">
-                            <a:latin typeface="Cambria Math" panose="02040503050406030204" pitchFamily="18" charset="0"/>
-                          </a:rPr>
-                          <m:t>2</m:t>
-                        </m:r>
-                      </m:e>
-                      <m:sup>
-                        <m:r>
-                          <a:rPr lang="en-US" sz="2800" b="0" i="1" smtClean="0">
-                            <a:latin typeface="Cambria Math" panose="02040503050406030204" pitchFamily="18" charset="0"/>
-                          </a:rPr>
-                          <m:t>𝑛</m:t>
-                        </m:r>
-                      </m:sup>
-                    </m:sSup>
-                    <m:r>
-                      <a:rPr lang="en-US" sz="2800" i="1">
-                        <a:latin typeface="Cambria Math" panose="02040503050406030204" pitchFamily="18" charset="0"/>
-                      </a:rPr>
-                      <m:t>+</m:t>
-                    </m:r>
-                    <m:r>
-                      <a:rPr lang="en-US" sz="2800" b="0" i="1" smtClean="0">
-                        <a:latin typeface="Cambria Math" panose="02040503050406030204" pitchFamily="18" charset="0"/>
-                      </a:rPr>
-                      <m:t>𝑛</m:t>
-                    </m:r>
-                    <m:r>
-                      <a:rPr lang="en-US" sz="2800" b="0" i="1" smtClean="0">
-                        <a:latin typeface="Cambria Math" panose="02040503050406030204" pitchFamily="18" charset="0"/>
-                      </a:rPr>
-                      <m:t>−2≥</m:t>
-                    </m:r>
-                    <m:sSup>
-                      <m:sSupPr>
-                        <m:ctrlPr>
-                          <a:rPr lang="en-US" sz="2800" b="0" i="1" smtClean="0">
-                            <a:latin typeface="Cambria Math" panose="02040503050406030204" pitchFamily="18" charset="0"/>
-                          </a:rPr>
-                        </m:ctrlPr>
-                      </m:sSupPr>
-                      <m:e>
-                        <m:r>
-                          <a:rPr lang="en-US" sz="2800" b="0" i="1" smtClean="0">
-                            <a:latin typeface="Cambria Math" panose="02040503050406030204" pitchFamily="18" charset="0"/>
-                          </a:rPr>
-                          <m:t>2</m:t>
-                        </m:r>
-                      </m:e>
-                      <m:sup>
-                        <m:r>
-                          <a:rPr lang="en-US" sz="2800" b="0" i="1" smtClean="0">
-                            <a:latin typeface="Cambria Math" panose="02040503050406030204" pitchFamily="18" charset="0"/>
-                          </a:rPr>
-                          <m:t>𝑛</m:t>
-                        </m:r>
-                        <m:r>
-                          <a:rPr lang="en-US" sz="2800" b="0" i="1" smtClean="0">
-                            <a:latin typeface="Cambria Math" panose="02040503050406030204" pitchFamily="18" charset="0"/>
-                          </a:rPr>
-                          <m:t>−1</m:t>
-                        </m:r>
-                      </m:sup>
-                    </m:sSup>
-                  </m:oMath>
-                </a14:m>
-                <a:r>
-                  <a:rPr lang="en-US" dirty="0"/>
-                  <a:t> </a:t>
-                </a:r>
-                <a:r>
-                  <a:rPr lang="en-US" dirty="0">
-                    <a:solidFill>
-                      <a:schemeClr val="accent1"/>
-                    </a:solidFill>
-                  </a:rPr>
-                  <a:t>for all </a:t>
-                </a:r>
-                <a14:m>
-                  <m:oMath xmlns:m="http://schemas.openxmlformats.org/officeDocument/2006/math">
-                    <m:r>
-                      <a:rPr lang="en-US" i="1">
-                        <a:latin typeface="Cambria Math" panose="02040503050406030204" pitchFamily="18" charset="0"/>
-                      </a:rPr>
-                      <m:t>𝑛</m:t>
-                    </m:r>
-                    <m:r>
-                      <a:rPr lang="en-US">
-                        <a:latin typeface="Cambria Math" panose="02040503050406030204" pitchFamily="18" charset="0"/>
-                      </a:rPr>
-                      <m:t>≥1</m:t>
-                    </m:r>
-                  </m:oMath>
-                </a14:m>
-                <a:r>
-                  <a:rPr lang="en-US" dirty="0">
-                    <a:solidFill>
-                      <a:schemeClr val="accent1"/>
-                    </a:solidFill>
-                  </a:rPr>
-                  <a:t>.</a:t>
-                </a:r>
-              </a:p>
-              <a:p>
-                <a:pPr marL="0" indent="0">
-                  <a:buNone/>
-                </a:pPr>
-                <a:r>
-                  <a:rPr lang="en-US" sz="2800" b="1" u="sng" dirty="0">
-                    <a:solidFill>
-                      <a:srgbClr val="FF0000"/>
-                    </a:solidFill>
-                  </a:rPr>
-                  <a:t>Base Case:</a:t>
-                </a:r>
-                <a:r>
-                  <a:rPr lang="en-US" sz="2800" b="1" dirty="0">
-                    <a:solidFill>
-                      <a:srgbClr val="FF0000"/>
-                    </a:solidFill>
-                  </a:rPr>
-                  <a:t> </a:t>
-                </a:r>
-                <a14:m>
-                  <m:oMath xmlns:m="http://schemas.openxmlformats.org/officeDocument/2006/math">
-                    <m:r>
-                      <a:rPr lang="en-US" sz="2800" b="0" i="1" smtClean="0">
-                        <a:solidFill>
-                          <a:schemeClr val="tx1"/>
-                        </a:solidFill>
-                        <a:latin typeface="Cambria Math" panose="02040503050406030204" pitchFamily="18" charset="0"/>
-                      </a:rPr>
-                      <m:t>𝑛</m:t>
-                    </m:r>
-                    <m:r>
-                      <a:rPr lang="en-US" sz="2800" b="0" i="1" smtClean="0">
-                        <a:solidFill>
-                          <a:schemeClr val="tx1"/>
-                        </a:solidFill>
-                        <a:latin typeface="Cambria Math" panose="02040503050406030204" pitchFamily="18" charset="0"/>
-                      </a:rPr>
-                      <m:t>=1</m:t>
-                    </m:r>
-                  </m:oMath>
-                </a14:m>
-                <a:endParaRPr lang="en-US" sz="2800" b="1" dirty="0">
-                  <a:solidFill>
-                    <a:srgbClr val="FF0000"/>
-                  </a:solidFill>
-                </a:endParaRPr>
-              </a:p>
-              <a:p>
-                <a:pPr marL="0" indent="0">
-                  <a:buNone/>
-                </a:pPr>
-                <a:r>
-                  <a:rPr lang="en-US" b="1" dirty="0">
-                    <a:solidFill>
-                      <a:srgbClr val="FF0000"/>
-                    </a:solidFill>
-                  </a:rPr>
-                  <a:t>	</a:t>
-                </a:r>
-                <a:r>
-                  <a:rPr lang="en-US" sz="2800" dirty="0"/>
-                  <a:t> </a:t>
-                </a:r>
-                <a14:m>
-                  <m:oMath xmlns:m="http://schemas.openxmlformats.org/officeDocument/2006/math">
-                    <m:sSup>
-                      <m:sSupPr>
-                        <m:ctrlPr>
-                          <a:rPr lang="en-US" sz="2800" i="1" smtClean="0">
-                            <a:latin typeface="Cambria Math" panose="02040503050406030204" pitchFamily="18" charset="0"/>
-                          </a:rPr>
-                        </m:ctrlPr>
-                      </m:sSupPr>
-                      <m:e>
-                        <m:r>
-                          <a:rPr lang="en-US" sz="2800" b="0" i="1" smtClean="0">
-                            <a:latin typeface="Cambria Math" panose="02040503050406030204" pitchFamily="18" charset="0"/>
-                          </a:rPr>
-                          <m:t>   </m:t>
-                        </m:r>
-                        <m:r>
-                          <a:rPr lang="en-US" sz="2800" i="1">
-                            <a:latin typeface="Cambria Math" panose="02040503050406030204" pitchFamily="18" charset="0"/>
-                          </a:rPr>
-                          <m:t>2</m:t>
-                        </m:r>
-                      </m:e>
-                      <m:sup>
-                        <m:r>
-                          <a:rPr lang="en-US" sz="2800" b="0" i="1" smtClean="0">
-                            <a:latin typeface="Cambria Math" panose="02040503050406030204" pitchFamily="18" charset="0"/>
-                          </a:rPr>
-                          <m:t>1</m:t>
-                        </m:r>
-                      </m:sup>
-                    </m:sSup>
-                    <m:r>
-                      <a:rPr lang="en-US" sz="2800" i="1">
-                        <a:latin typeface="Cambria Math" panose="02040503050406030204" pitchFamily="18" charset="0"/>
-                      </a:rPr>
-                      <m:t>+</m:t>
-                    </m:r>
-                    <m:r>
-                      <a:rPr lang="en-US" sz="2800" b="0" i="1" smtClean="0">
-                        <a:latin typeface="Cambria Math" panose="02040503050406030204" pitchFamily="18" charset="0"/>
-                      </a:rPr>
-                      <m:t>1−2=1≥</m:t>
-                    </m:r>
-                    <m:sSup>
-                      <m:sSupPr>
-                        <m:ctrlPr>
-                          <a:rPr lang="en-US" sz="2800" b="0" i="1" smtClean="0">
-                            <a:latin typeface="Cambria Math" panose="02040503050406030204" pitchFamily="18" charset="0"/>
-                          </a:rPr>
-                        </m:ctrlPr>
-                      </m:sSupPr>
-                      <m:e>
-                        <m:r>
-                          <a:rPr lang="en-US" sz="2800" b="0" i="1" smtClean="0">
-                            <a:latin typeface="Cambria Math" panose="02040503050406030204" pitchFamily="18" charset="0"/>
-                          </a:rPr>
-                          <m:t>2</m:t>
-                        </m:r>
-                      </m:e>
-                      <m:sup>
-                        <m:r>
-                          <a:rPr lang="en-US" sz="2800" b="0" i="1" smtClean="0">
-                            <a:latin typeface="Cambria Math" panose="02040503050406030204" pitchFamily="18" charset="0"/>
-                          </a:rPr>
-                          <m:t>1−1</m:t>
-                        </m:r>
-                      </m:sup>
-                    </m:sSup>
-                  </m:oMath>
-                </a14:m>
-                <a:endParaRPr lang="en-US" sz="2800" b="1" dirty="0">
-                  <a:solidFill>
-                    <a:srgbClr val="FF0000"/>
-                  </a:solidFill>
-                </a:endParaRPr>
-              </a:p>
-              <a:p>
-                <a:pPr marL="0" indent="0">
-                  <a:buNone/>
-                </a:pPr>
-                <a:r>
-                  <a:rPr lang="en-US" b="1" u="sng" dirty="0">
-                    <a:solidFill>
-                      <a:srgbClr val="FF0000"/>
-                    </a:solidFill>
-                  </a:rPr>
-                  <a:t>Induction Hypothesis:</a:t>
-                </a:r>
-                <a:r>
-                  <a:rPr lang="en-US" dirty="0">
-                    <a:solidFill>
-                      <a:srgbClr val="FF0000"/>
-                    </a:solidFill>
-                  </a:rPr>
-                  <a:t> </a:t>
-                </a:r>
-                <a:r>
-                  <a:rPr lang="en-US" dirty="0">
-                    <a:solidFill>
-                      <a:schemeClr val="accent1"/>
-                    </a:solidFill>
-                  </a:rPr>
-                  <a:t>Assume that </a:t>
-                </a:r>
-                <a14:m>
-                  <m:oMath xmlns:m="http://schemas.openxmlformats.org/officeDocument/2006/math">
-                    <m:sSup>
-                      <m:sSupPr>
-                        <m:ctrlPr>
-                          <a:rPr lang="en-US" sz="2800" i="1" smtClean="0">
-                            <a:latin typeface="Cambria Math" panose="02040503050406030204" pitchFamily="18" charset="0"/>
-                          </a:rPr>
-                        </m:ctrlPr>
-                      </m:sSupPr>
-                      <m:e>
-                        <m:r>
-                          <a:rPr lang="en-US" sz="2800" b="0" i="1" smtClean="0">
-                            <a:latin typeface="Cambria Math" panose="02040503050406030204" pitchFamily="18" charset="0"/>
-                          </a:rPr>
-                          <m:t>   </m:t>
-                        </m:r>
-                        <m:r>
-                          <a:rPr lang="en-US" sz="2800" i="1">
-                            <a:latin typeface="Cambria Math" panose="02040503050406030204" pitchFamily="18" charset="0"/>
-                          </a:rPr>
-                          <m:t>2</m:t>
-                        </m:r>
-                      </m:e>
-                      <m:sup>
-                        <m:r>
-                          <a:rPr lang="en-US" sz="2800" b="0" i="1" smtClean="0">
-                            <a:latin typeface="Cambria Math" panose="02040503050406030204" pitchFamily="18" charset="0"/>
-                          </a:rPr>
-                          <m:t>𝑘</m:t>
-                        </m:r>
-                      </m:sup>
-                    </m:sSup>
-                    <m:r>
-                      <a:rPr lang="en-US" sz="2800" i="1">
-                        <a:latin typeface="Cambria Math" panose="02040503050406030204" pitchFamily="18" charset="0"/>
-                      </a:rPr>
-                      <m:t>+</m:t>
-                    </m:r>
-                    <m:r>
-                      <a:rPr lang="en-US" sz="2800" b="0" i="1" smtClean="0">
-                        <a:latin typeface="Cambria Math" panose="02040503050406030204" pitchFamily="18" charset="0"/>
-                      </a:rPr>
-                      <m:t>𝑘</m:t>
-                    </m:r>
-                    <m:r>
-                      <a:rPr lang="en-US" sz="2800" b="0" i="1" smtClean="0">
-                        <a:latin typeface="Cambria Math" panose="02040503050406030204" pitchFamily="18" charset="0"/>
-                      </a:rPr>
-                      <m:t>−2≥</m:t>
-                    </m:r>
-                    <m:sSup>
-                      <m:sSupPr>
-                        <m:ctrlPr>
-                          <a:rPr lang="en-US" sz="2800" b="0" i="1" smtClean="0">
-                            <a:latin typeface="Cambria Math" panose="02040503050406030204" pitchFamily="18" charset="0"/>
-                          </a:rPr>
-                        </m:ctrlPr>
-                      </m:sSupPr>
-                      <m:e>
-                        <m:r>
-                          <a:rPr lang="en-US" sz="2800" b="0" i="1" smtClean="0">
-                            <a:latin typeface="Cambria Math" panose="02040503050406030204" pitchFamily="18" charset="0"/>
-                          </a:rPr>
-                          <m:t>2</m:t>
-                        </m:r>
-                      </m:e>
-                      <m:sup>
-                        <m:r>
-                          <a:rPr lang="en-US" sz="2800" b="0" i="1" smtClean="0">
-                            <a:latin typeface="Cambria Math" panose="02040503050406030204" pitchFamily="18" charset="0"/>
-                          </a:rPr>
-                          <m:t>𝑘</m:t>
-                        </m:r>
-                        <m:r>
-                          <a:rPr lang="en-US" sz="2800" b="0" i="1" smtClean="0">
-                            <a:latin typeface="Cambria Math" panose="02040503050406030204" pitchFamily="18" charset="0"/>
-                          </a:rPr>
-                          <m:t>−1</m:t>
-                        </m:r>
-                      </m:sup>
-                    </m:sSup>
-                    <m:r>
-                      <a:rPr lang="en-US" sz="2800" b="1" i="0" smtClean="0">
-                        <a:latin typeface="Cambria Math" panose="02040503050406030204" pitchFamily="18" charset="0"/>
-                      </a:rPr>
-                      <m:t> </m:t>
-                    </m:r>
-                  </m:oMath>
-                </a14:m>
-                <a:r>
-                  <a:rPr lang="en-US" sz="2800" dirty="0">
-                    <a:solidFill>
-                      <a:schemeClr val="accent1"/>
-                    </a:solidFill>
-                  </a:rPr>
-                  <a:t>for all </a:t>
-                </a:r>
-                <a14:m>
-                  <m:oMath xmlns:m="http://schemas.openxmlformats.org/officeDocument/2006/math">
-                    <m:r>
-                      <a:rPr lang="en-US" b="0" i="1" smtClean="0">
-                        <a:latin typeface="Cambria Math" panose="02040503050406030204" pitchFamily="18" charset="0"/>
-                      </a:rPr>
-                      <m:t>𝑘</m:t>
-                    </m:r>
-                    <m:r>
-                      <a:rPr lang="en-US">
-                        <a:latin typeface="Cambria Math" panose="02040503050406030204" pitchFamily="18" charset="0"/>
-                      </a:rPr>
-                      <m:t>≥1</m:t>
-                    </m:r>
-                  </m:oMath>
-                </a14:m>
-                <a:r>
-                  <a:rPr lang="en-US" sz="2800" dirty="0">
-                    <a:solidFill>
-                      <a:schemeClr val="accent1"/>
-                    </a:solidFill>
-                  </a:rPr>
-                  <a:t>.</a:t>
-                </a:r>
-              </a:p>
-            </p:txBody>
-          </p:sp>
-        </mc:Choice>
-        <mc:Fallback>
-          <p:sp>
-            <p:nvSpPr>
-              <p:cNvPr id="3" name="Content Placeholder 2">
-                <a:extLst>
-                  <a:ext uri="{FF2B5EF4-FFF2-40B4-BE49-F238E27FC236}">
-                    <a16:creationId xmlns:a16="http://schemas.microsoft.com/office/drawing/2014/main" id="{A7D738C2-8F07-4543-9F04-9185B0CBE5F1}"/>
-                  </a:ext>
-                </a:extLst>
-              </p:cNvPr>
-              <p:cNvSpPr>
-                <a:spLocks noGrp="1" noRot="1" noChangeAspect="1" noMove="1" noResize="1" noEditPoints="1" noAdjustHandles="1" noChangeArrowheads="1" noChangeShapeType="1" noTextEdit="1"/>
-              </p:cNvSpPr>
-              <p:nvPr>
-                <p:ph idx="1"/>
-              </p:nvPr>
-            </p:nvSpPr>
-            <p:spPr>
-              <a:blipFill>
-                <a:blip r:embed="rId2"/>
-                <a:stretch>
-                  <a:fillRect l="-1217" t="-2241"/>
-                </a:stretch>
-              </a:blipFill>
-            </p:spPr>
-            <p:txBody>
-              <a:bodyPr/>
-              <a:lstStyle/>
-              <a:p>
-                <a:r>
-                  <a:rPr lang="en-US">
-                    <a:noFill/>
-                  </a:rPr>
-                  <a:t> </a:t>
-                </a:r>
-              </a:p>
-            </p:txBody>
-          </p:sp>
-        </mc:Fallback>
-      </mc:AlternateContent>
-    </p:spTree>
-    <p:extLst>
-      <p:ext uri="{BB962C8B-B14F-4D97-AF65-F5344CB8AC3E}">
-        <p14:creationId xmlns:p14="http://schemas.microsoft.com/office/powerpoint/2010/main" val="2341681836"/>
       </p:ext>
     </p:extLst>
   </p:cSld>
@@ -19664,41 +19348,6 @@
           </a:p>
         </p:txBody>
       </p:sp>
-      <p:pic>
-        <p:nvPicPr>
-          <p:cNvPr id="9" name="Content Placeholder 8">
-            <a:extLst>
-              <a:ext uri="{FF2B5EF4-FFF2-40B4-BE49-F238E27FC236}">
-                <a16:creationId xmlns:a16="http://schemas.microsoft.com/office/drawing/2014/main" id="{ED8985C6-1467-43E0-A2FC-3C5486FD48DD}"/>
-              </a:ext>
-            </a:extLst>
-          </p:cNvPr>
-          <p:cNvPicPr>
-            <a:picLocks noGrp="1" noChangeAspect="1"/>
-          </p:cNvPicPr>
-          <p:nvPr>
-            <p:ph idx="1"/>
-          </p:nvPr>
-        </p:nvPicPr>
-        <p:blipFill>
-          <a:blip r:embed="rId2">
-            <a:extLst>
-              <a:ext uri="{28A0092B-C50C-407E-A947-70E740481C1C}">
-                <a14:useLocalDpi xmlns:a14="http://schemas.microsoft.com/office/drawing/2010/main" val="0"/>
-              </a:ext>
-            </a:extLst>
-          </a:blip>
-          <a:stretch>
-            <a:fillRect/>
-          </a:stretch>
-        </p:blipFill>
-        <p:spPr>
-          <a:xfrm>
-            <a:off x="6697362" y="1876426"/>
-            <a:ext cx="4780263" cy="3417928"/>
-          </a:xfrm>
-        </p:spPr>
-      </p:pic>
       <mc:AlternateContent xmlns:mc="http://schemas.openxmlformats.org/markup-compatibility/2006" xmlns:a14="http://schemas.microsoft.com/office/drawing/2010/main">
         <mc:Choice Requires="a14">
           <p:sp>
@@ -20149,6 +19798,61 @@
           </p:sp>
         </mc:Fallback>
       </mc:AlternateContent>
+      <p:pic>
+        <p:nvPicPr>
+          <p:cNvPr id="5" name="Picture 4">
+            <a:extLst>
+              <a:ext uri="{FF2B5EF4-FFF2-40B4-BE49-F238E27FC236}">
+                <a16:creationId xmlns:a16="http://schemas.microsoft.com/office/drawing/2014/main" id="{6B9CAC7E-B7A0-4266-A856-319F9249F5BE}"/>
+              </a:ext>
+            </a:extLst>
+          </p:cNvPr>
+          <p:cNvPicPr>
+            <a:picLocks noChangeAspect="1"/>
+          </p:cNvPicPr>
+          <p:nvPr/>
+        </p:nvPicPr>
+        <p:blipFill>
+          <a:blip r:embed="rId4"/>
+          <a:stretch>
+            <a:fillRect/>
+          </a:stretch>
+        </p:blipFill>
+        <p:spPr>
+          <a:xfrm>
+            <a:off x="6096000" y="2250748"/>
+            <a:ext cx="5898239" cy="3236436"/>
+          </a:xfrm>
+          <a:prstGeom prst="rect">
+            <a:avLst/>
+          </a:prstGeom>
+        </p:spPr>
+      </p:pic>
+      <p:sp>
+        <p:nvSpPr>
+          <p:cNvPr id="12" name="Content Placeholder 11">
+            <a:extLst>
+              <a:ext uri="{FF2B5EF4-FFF2-40B4-BE49-F238E27FC236}">
+                <a16:creationId xmlns:a16="http://schemas.microsoft.com/office/drawing/2014/main" id="{18DEBCB5-43DD-4F18-B2F2-B4E55CB6C907}"/>
+              </a:ext>
+            </a:extLst>
+          </p:cNvPr>
+          <p:cNvSpPr>
+            <a:spLocks noGrp="1"/>
+          </p:cNvSpPr>
+          <p:nvPr>
+            <p:ph idx="1"/>
+          </p:nvPr>
+        </p:nvSpPr>
+        <p:spPr/>
+        <p:txBody>
+          <a:bodyPr/>
+          <a:lstStyle/>
+          <a:p>
+            <a:endParaRPr lang="en-US" dirty="0"/>
+          </a:p>
+        </p:txBody>
+      </p:sp>
     </p:spTree>
     <p:extLst>
       <p:ext uri="{BB962C8B-B14F-4D97-AF65-F5344CB8AC3E}">
@@ -23678,7 +23382,7 @@
                             </a:solidFill>
                             <a:latin typeface="Cambria Math" panose="02040503050406030204" pitchFamily="18" charset="0"/>
                           </a:rPr>
-                          <m:t>𝑚</m:t>
+                          <m:t>𝑛</m:t>
                         </m:r>
                       </m:sub>
                     </m:sSub>
@@ -23759,14 +23463,14 @@
                     <m:sSub>
                       <m:sSubPr>
                         <m:ctrlPr>
-                          <a:rPr lang="en-US" i="1">
+                          <a:rPr lang="en-US" b="0" i="1" smtClean="0">
                             <a:latin typeface="Cambria Math" panose="02040503050406030204" pitchFamily="18" charset="0"/>
                           </a:rPr>
                         </m:ctrlPr>
                       </m:sSubPr>
                       <m:e>
                         <m:r>
-                          <a:rPr lang="en-US" i="1">
+                          <a:rPr lang="en-US" b="0" i="1" smtClean="0">
                             <a:latin typeface="Cambria Math" panose="02040503050406030204" pitchFamily="18" charset="0"/>
                           </a:rPr>
                           <m:t>𝑦</m:t>
@@ -23774,10 +23478,10 @@
                       </m:e>
                       <m:sub>
                         <m:r>
-                          <a:rPr lang="en-US" i="1">
-                            <a:latin typeface="Cambria Math" panose="02040503050406030204" pitchFamily="18" charset="0"/>
-                          </a:rPr>
-                          <m:t>𝑚</m:t>
+                          <a:rPr lang="en-US" b="0" i="1" smtClean="0">
+                            <a:latin typeface="Cambria Math" panose="02040503050406030204" pitchFamily="18" charset="0"/>
+                          </a:rPr>
+                          <m:t>𝑛</m:t>
                         </m:r>
                       </m:sub>
                     </m:sSub>
@@ -24028,7 +23732,7 @@
                             </a:solidFill>
                             <a:latin typeface="Cambria Math" panose="02040503050406030204" pitchFamily="18" charset="0"/>
                           </a:rPr>
-                          <m:t>𝑚</m:t>
+                          <m:t>𝑛</m:t>
                         </m:r>
                       </m:sub>
                     </m:sSub>
@@ -24307,10 +24011,10 @@
                       </m:e>
                       <m:sub>
                         <m:r>
-                          <a:rPr lang="en-US" i="1">
-                            <a:latin typeface="Cambria Math" panose="02040503050406030204" pitchFamily="18" charset="0"/>
-                          </a:rPr>
-                          <m:t>𝑚</m:t>
+                          <a:rPr lang="en-US" b="0" i="1" smtClean="0">
+                            <a:latin typeface="Cambria Math" panose="02040503050406030204" pitchFamily="18" charset="0"/>
+                          </a:rPr>
+                          <m:t>𝑛</m:t>
                         </m:r>
                       </m:sub>
                     </m:sSub>
@@ -25776,7 +25480,31 @@
                       <a:schemeClr val="accent1"/>
                     </a:solidFill>
                   </a:rPr>
-                  <a:t> is, in fact, a LCS of </a:t>
+                  <a:t> is, in fact, an </a:t>
+                </a:r>
+                <a:r>
+                  <a:rPr lang="en-US" sz="2000" b="1" i="1" dirty="0">
+                    <a:solidFill>
+                      <a:srgbClr val="FF0000"/>
+                    </a:solidFill>
+                  </a:rPr>
+                  <a:t>LCS</a:t>
+                </a:r>
+                <a:r>
+                  <a:rPr lang="en-US" sz="2000" b="1" dirty="0">
+                    <a:solidFill>
+                      <a:srgbClr val="FF0000"/>
+                    </a:solidFill>
+                  </a:rPr>
+                  <a:t> </a:t>
+                </a:r>
+                <a:r>
+                  <a:rPr lang="en-US" sz="2000" dirty="0">
+                    <a:solidFill>
+                      <a:schemeClr val="accent1"/>
+                    </a:solidFill>
+                  </a:rPr>
+                  <a:t>of </a:t>
                 </a:r>
                 <a14:m>
                   <m:oMath xmlns:m="http://schemas.openxmlformats.org/officeDocument/2006/math">
@@ -26062,7 +25790,7 @@
                       <a:rPr lang="en-US" sz="2000" b="0" i="1" smtClean="0">
                         <a:latin typeface="Cambria Math" panose="02040503050406030204" pitchFamily="18" charset="0"/>
                       </a:rPr>
-                      <m:t>=</m:t>
+                      <m:t>≥</m:t>
                     </m:r>
                     <m:r>
                       <a:rPr lang="en-US" sz="2000" b="0" i="1" smtClean="0">
@@ -26211,7 +25939,7 @@
                       <a:schemeClr val="accent1"/>
                     </a:solidFill>
                   </a:rPr>
-                  <a:t>ll produce a CS of length </a:t>
+                  <a:t>ll produce </a:t>
                 </a:r>
                 <a14:m>
                   <m:oMath xmlns:m="http://schemas.openxmlformats.org/officeDocument/2006/math">
@@ -26219,13 +25947,61 @@
                       <a:rPr lang="en-US" sz="2000" i="1">
                         <a:latin typeface="Cambria Math" panose="02040503050406030204" pitchFamily="18" charset="0"/>
                       </a:rPr>
+                      <m:t>𝑊</m:t>
+                    </m:r>
+                    <m:r>
+                      <a:rPr lang="en-US" sz="2000" b="0" i="1" smtClean="0">
+                        <a:latin typeface="Cambria Math" panose="02040503050406030204" pitchFamily="18" charset="0"/>
+                      </a:rPr>
+                      <m:t>′</m:t>
+                    </m:r>
+                  </m:oMath>
+                </a14:m>
+                <a:r>
+                  <a:rPr lang="en-US" sz="2000" dirty="0">
+                    <a:solidFill>
+                      <a:schemeClr val="accent1"/>
+                    </a:solidFill>
+                  </a:rPr>
+                  <a:t>a CS of length </a:t>
+                </a:r>
+                <a14:m>
+                  <m:oMath xmlns:m="http://schemas.openxmlformats.org/officeDocument/2006/math">
+                    <m:r>
+                      <a:rPr lang="en-US" sz="2000" b="0" i="0" smtClean="0">
+                        <a:latin typeface="Cambria Math" panose="02040503050406030204" pitchFamily="18" charset="0"/>
+                      </a:rPr>
+                      <m:t>|</m:t>
+                    </m:r>
+                    <m:r>
+                      <a:rPr lang="en-US" sz="2000" i="1">
+                        <a:latin typeface="Cambria Math" panose="02040503050406030204" pitchFamily="18" charset="0"/>
+                      </a:rPr>
+                      <m:t>𝑊</m:t>
+                    </m:r>
+                    <m:r>
+                      <a:rPr lang="en-US" sz="2000" i="1">
+                        <a:latin typeface="Cambria Math" panose="02040503050406030204" pitchFamily="18" charset="0"/>
+                      </a:rPr>
+                      <m:t>′</m:t>
+                    </m:r>
+                    <m:r>
+                      <a:rPr lang="en-US" sz="2000" b="0" i="0" smtClean="0">
+                        <a:latin typeface="Cambria Math" panose="02040503050406030204" pitchFamily="18" charset="0"/>
+                      </a:rPr>
+                      <m:t>|</m:t>
+                    </m:r>
+                    <m:r>
+                      <a:rPr lang="en-US" sz="2000">
+                        <a:latin typeface="Cambria Math" panose="02040503050406030204" pitchFamily="18" charset="0"/>
+                      </a:rPr>
+                      <m:t>&gt;</m:t>
+                    </m:r>
+                    <m:r>
+                      <a:rPr lang="en-US" sz="2000" i="1">
+                        <a:latin typeface="Cambria Math" panose="02040503050406030204" pitchFamily="18" charset="0"/>
+                      </a:rPr>
                       <m:t>𝑘</m:t>
-                    </m:r>
-                    <m:r>
-                      <a:rPr lang="en-US" sz="2000" b="0" i="1" smtClean="0">
-                        <a:latin typeface="Cambria Math" panose="02040503050406030204" pitchFamily="18" charset="0"/>
-                      </a:rPr>
-                      <m:t>+1</m:t>
                     </m:r>
                   </m:oMath>
                 </a14:m>
@@ -27631,7 +27407,23 @@
                       <a:schemeClr val="accent1"/>
                     </a:solidFill>
                   </a:rPr>
-                  <a:t>is, in fact, an LCS of </a:t>
+                  <a:t>is, in fact, an </a:t>
+                </a:r>
+                <a:r>
+                  <a:rPr lang="en-US" b="1" i="1" dirty="0">
+                    <a:solidFill>
+                      <a:srgbClr val="FF0000"/>
+                    </a:solidFill>
+                  </a:rPr>
+                  <a:t>LCS</a:t>
+                </a:r>
+                <a:r>
+                  <a:rPr lang="en-US" dirty="0">
+                    <a:solidFill>
+                      <a:schemeClr val="accent1"/>
+                    </a:solidFill>
+                  </a:rPr>
+                  <a:t> of </a:t>
                 </a:r>
                 <a14:m>
                   <m:oMath xmlns:m="http://schemas.openxmlformats.org/officeDocument/2006/math">
@@ -28047,23 +27839,7 @@
                       <a:schemeClr val="accent1"/>
                     </a:solidFill>
                   </a:rPr>
-                  <a:t>is </a:t>
-                </a:r>
-                <a:r>
-                  <a:rPr lang="en-US">
-                    <a:solidFill>
-                      <a:schemeClr val="accent1"/>
-                    </a:solidFill>
-                  </a:rPr>
-                  <a:t>a LCS </a:t>
-                </a:r>
-                <a:r>
-                  <a:rPr lang="en-US" dirty="0">
-                    <a:solidFill>
-                      <a:schemeClr val="accent1"/>
-                    </a:solidFill>
-                  </a:rPr>
-                  <a:t>of </a:t>
+                  <a:t>is a LCS of </a:t>
                 </a:r>
                 <a14:m>
                   <m:oMath xmlns:m="http://schemas.openxmlformats.org/officeDocument/2006/math">
@@ -29156,42 +28932,6 @@
           </a:prstGeom>
         </p:spPr>
       </p:pic>
-      <p:pic>
-        <p:nvPicPr>
-          <p:cNvPr id="9" name="Picture 8">
-            <a:extLst>
-              <a:ext uri="{FF2B5EF4-FFF2-40B4-BE49-F238E27FC236}">
-                <a16:creationId xmlns:a16="http://schemas.microsoft.com/office/drawing/2014/main" id="{D0AA16C8-52F8-4E4C-9070-C71F7AFC3A92}"/>
-              </a:ext>
-            </a:extLst>
-          </p:cNvPr>
-          <p:cNvPicPr>
-            <a:picLocks noChangeAspect="1"/>
-          </p:cNvPicPr>
-          <p:nvPr/>
-        </p:nvPicPr>
-        <p:blipFill>
-          <a:blip r:embed="rId3">
-            <a:extLst>
-              <a:ext uri="{28A0092B-C50C-407E-A947-70E740481C1C}">
-                <a14:useLocalDpi xmlns:a14="http://schemas.microsoft.com/office/drawing/2010/main" val="0"/>
-              </a:ext>
-            </a:extLst>
-          </a:blip>
-          <a:stretch>
-            <a:fillRect/>
-          </a:stretch>
-        </p:blipFill>
-        <p:spPr>
-          <a:xfrm>
-            <a:off x="5875961" y="2347111"/>
-            <a:ext cx="4561511" cy="2163778"/>
-          </a:xfrm>
-          <a:prstGeom prst="rect">
-            <a:avLst/>
-          </a:prstGeom>
-        </p:spPr>
-      </p:pic>
       <p:sp>
         <p:nvSpPr>
           <p:cNvPr id="2" name="Title 1">
@@ -29288,6 +29028,36 @@
           </a:p>
         </p:txBody>
       </p:sp>
+      <p:pic>
+        <p:nvPicPr>
+          <p:cNvPr id="6" name="Picture 5">
+            <a:extLst>
+              <a:ext uri="{FF2B5EF4-FFF2-40B4-BE49-F238E27FC236}">
+                <a16:creationId xmlns:a16="http://schemas.microsoft.com/office/drawing/2014/main" id="{6BFB1F03-3023-405A-8F30-A318C2A64746}"/>
+              </a:ext>
+            </a:extLst>
+          </p:cNvPr>
+          <p:cNvPicPr>
+            <a:picLocks noChangeAspect="1"/>
+          </p:cNvPicPr>
+          <p:nvPr/>
+        </p:nvPicPr>
+        <p:blipFill>
+          <a:blip r:embed="rId3"/>
+          <a:stretch>
+            <a:fillRect/>
+          </a:stretch>
+        </p:blipFill>
+        <p:spPr>
+          <a:xfrm>
+            <a:off x="6002655" y="2338387"/>
+            <a:ext cx="5124450" cy="1876425"/>
+          </a:xfrm>
+          <a:prstGeom prst="rect">
+            <a:avLst/>
+          </a:prstGeom>
+        </p:spPr>
+      </p:pic>
     </p:spTree>
     <p:extLst>
       <p:ext uri="{BB962C8B-B14F-4D97-AF65-F5344CB8AC3E}">
@@ -30291,8 +30061,8 @@
           </a:p>
         </p:txBody>
       </p:sp>
-      <mc:AlternateContent xmlns:mc="http://schemas.openxmlformats.org/markup-compatibility/2006">
-        <mc:Choice xmlns:a14="http://schemas.microsoft.com/office/drawing/2010/main" Requires="a14">
+      <mc:AlternateContent xmlns:mc="http://schemas.openxmlformats.org/markup-compatibility/2006" xmlns:a14="http://schemas.microsoft.com/office/drawing/2010/main">
+        <mc:Choice Requires="a14">
           <p:sp>
             <p:nvSpPr>
               <p:cNvPr id="3" name="Content Placeholder 2">
@@ -30628,7 +30398,7 @@
                 </a14:m>
                 <a:r>
                   <a:rPr lang="en-US" sz="2000" dirty="0"/>
-                  <a:t> </a:t>
+                  <a:t> 	</a:t>
                 </a:r>
                 <a:r>
                   <a:rPr lang="en-US" sz="2000" dirty="0">
@@ -30899,7 +30669,7 @@
                       <a:schemeClr val="accent1"/>
                     </a:solidFill>
                   </a:rPr>
-                  <a:t>  (By induction)</a:t>
+                  <a:t>  (by induction)</a:t>
                 </a:r>
               </a:p>
               <a:p>
@@ -31221,7 +30991,7 @@
             </p:txBody>
           </p:sp>
         </mc:Choice>
-        <mc:Fallback>
+        <mc:Fallback xmlns="">
           <p:sp>
             <p:nvSpPr>
               <p:cNvPr id="3" name="Content Placeholder 2">
@@ -31324,8 +31094,8 @@
           </a:p>
         </p:txBody>
       </p:sp>
-      <mc:AlternateContent xmlns:mc="http://schemas.openxmlformats.org/markup-compatibility/2006" xmlns:a14="http://schemas.microsoft.com/office/drawing/2010/main">
-        <mc:Choice Requires="a14">
+      <mc:AlternateContent xmlns:mc="http://schemas.openxmlformats.org/markup-compatibility/2006">
+        <mc:Choice xmlns:a14="http://schemas.microsoft.com/office/drawing/2010/main" Requires="a14">
           <p:sp>
             <p:nvSpPr>
               <p:cNvPr id="3" name="Content Placeholder 2">
@@ -31529,7 +31299,23 @@
                       <a:schemeClr val="accent1"/>
                     </a:solidFill>
                   </a:rPr>
-                  <a:t> is a non-decreasing function,</a:t>
+                  <a:t> is a </a:t>
+                </a:r>
+                <a:r>
+                  <a:rPr lang="en-US" sz="1800" b="1" i="1" dirty="0">
+                    <a:solidFill>
+                      <a:srgbClr val="FF0000"/>
+                    </a:solidFill>
+                  </a:rPr>
+                  <a:t>non-decreasing</a:t>
+                </a:r>
+                <a:r>
+                  <a:rPr lang="en-US" sz="1800" dirty="0">
+                    <a:solidFill>
+                      <a:schemeClr val="accent1"/>
+                    </a:solidFill>
+                  </a:rPr>
+                  <a:t> function,</a:t>
                 </a:r>
               </a:p>
               <a:p>
@@ -32354,7 +32140,7 @@
                       <a:schemeClr val="accent1"/>
                     </a:solidFill>
                   </a:rPr>
-                  <a:t>Keep Expanding until the </a:t>
+                  <a:t>Keep expanding until the </a:t>
                 </a:r>
                 <a14:m>
                   <m:oMath xmlns:m="http://schemas.openxmlformats.org/officeDocument/2006/math">
@@ -32918,7 +32704,7 @@
             </p:txBody>
           </p:sp>
         </mc:Choice>
-        <mc:Fallback xmlns="">
+        <mc:Fallback>
           <p:sp>
             <p:nvSpPr>
               <p:cNvPr id="3" name="Content Placeholder 2">
@@ -35103,7 +34889,7 @@
             <p:spPr>
               <a:xfrm>
                 <a:off x="838201" y="2498993"/>
-                <a:ext cx="5029199" cy="4093428"/>
+                <a:ext cx="5029199" cy="3785652"/>
               </a:xfrm>
               <a:prstGeom prst="rect">
                 <a:avLst/>
@@ -35389,23 +35175,7 @@
                       <a:schemeClr val="accent1"/>
                     </a:solidFill>
                   </a:rPr>
-                  <a:t>The number of recursive  calls (non-</a:t>
-                </a:r>
-                <a:r>
-                  <a:rPr lang="en-US" sz="2000" dirty="0" err="1">
-                    <a:solidFill>
-                      <a:schemeClr val="accent1"/>
-                    </a:solidFill>
-                  </a:rPr>
-                  <a:t>memoized</a:t>
-                </a:r>
-                <a:r>
-                  <a:rPr lang="en-US" sz="2000" dirty="0">
-                    <a:solidFill>
-                      <a:schemeClr val="accent1"/>
-                    </a:solidFill>
-                  </a:rPr>
-                  <a:t>) is </a:t>
+                  <a:t>The number of recursive  calls is </a:t>
                 </a:r>
                 <a14:m>
                   <m:oMath xmlns:m="http://schemas.openxmlformats.org/officeDocument/2006/math">
@@ -35507,7 +35277,7 @@
             <p:spPr>
               <a:xfrm>
                 <a:off x="838201" y="2498993"/>
-                <a:ext cx="5029199" cy="4093428"/>
+                <a:ext cx="5029199" cy="3785652"/>
               </a:xfrm>
               <a:prstGeom prst="rect">
                 <a:avLst/>
@@ -35515,7 +35285,7 @@
               <a:blipFill>
                 <a:blip r:embed="rId2"/>
                 <a:stretch>
-                  <a:fillRect l="-1333" t="-894"/>
+                  <a:fillRect l="-1333" t="-966"/>
                 </a:stretch>
               </a:blipFill>
             </p:spPr>
